--- a/Text-Based Blackjack Game.pptx
+++ b/Text-Based Blackjack Game.pptx
@@ -104,6 +104,11 @@
       </a:defRPr>
     </a:lvl9pPr>
   </p:defaultTextStyle>
+  <p:extLst>
+    <p:ext uri="{EFAFB233-063F-42B5-8137-9DF3F51BA10A}">
+      <p15:sldGuideLst xmlns:p15="http://schemas.microsoft.com/office/powerpoint/2012/main"/>
+    </p:ext>
+  </p:extLst>
 </p:presentation>
 </file>
 
@@ -4371,7 +4376,7 @@
         <p:spPr>
           <a:xfrm>
             <a:off x="962608" y="959614"/>
-            <a:ext cx="2304661" cy="369332"/>
+            <a:ext cx="2304661" cy="646331"/>
           </a:xfrm>
           <a:prstGeom prst="rect">
             <a:avLst/>
@@ -4388,6 +4393,47 @@
               <a:rPr lang="en-US" i="1" dirty="0"/>
               <a:t>By: Sally Luo</a:t>
             </a:r>
+          </a:p>
+          <a:p>
+            <a:endParaRPr lang="en-US" i="1" dirty="0"/>
+          </a:p>
+        </p:txBody>
+      </p:sp>
+      <p:sp>
+        <p:nvSpPr>
+          <p:cNvPr id="6" name="TextBox 5">
+            <a:extLst>
+              <a:ext uri="{FF2B5EF4-FFF2-40B4-BE49-F238E27FC236}">
+                <a16:creationId xmlns:a16="http://schemas.microsoft.com/office/drawing/2014/main" id="{61AFC531-2641-4CA2-BBB4-E08A60FE9A61}"/>
+              </a:ext>
+            </a:extLst>
+          </p:cNvPr>
+          <p:cNvSpPr txBox="1"/>
+          <p:nvPr/>
+        </p:nvSpPr>
+        <p:spPr>
+          <a:xfrm>
+            <a:off x="1107575" y="6329591"/>
+            <a:ext cx="5670730" cy="323165"/>
+          </a:xfrm>
+          <a:prstGeom prst="rect">
+            <a:avLst/>
+          </a:prstGeom>
+          <a:noFill/>
+        </p:spPr>
+        <p:txBody>
+          <a:bodyPr wrap="square" rtlCol="0">
+            <a:spAutoFit/>
+          </a:bodyPr>
+          <a:lstStyle/>
+          <a:p>
+            <a:r>
+              <a:rPr lang="en-US" sz="1500" dirty="0">
+                <a:hlinkClick r:id="rId3"/>
+              </a:rPr>
+              <a:t>https://github.com/ksu-is/Text-Based-Blackjack-Game</a:t>
+            </a:r>
+            <a:endParaRPr lang="en-US" sz="1500" i="1" dirty="0"/>
           </a:p>
         </p:txBody>
       </p:sp>

--- a/Text-Based Blackjack Game.pptx
+++ b/Text-Based Blackjack Game.pptx
@@ -479,7 +479,7 @@
           <a:p>
             <a:fld id="{BFB96269-534C-4ADE-A74E-68E56D3C846B}" type="datetimeFigureOut">
               <a:rPr lang="en-US" smtClean="0"/>
-              <a:t>4/24/2020</a:t>
+              <a:t>4/25/2020</a:t>
             </a:fld>
             <a:endParaRPr lang="en-US"/>
           </a:p>
@@ -726,7 +726,7 @@
           <a:p>
             <a:fld id="{BFB96269-534C-4ADE-A74E-68E56D3C846B}" type="datetimeFigureOut">
               <a:rPr lang="en-US" smtClean="0"/>
-              <a:t>4/24/2020</a:t>
+              <a:t>4/25/2020</a:t>
             </a:fld>
             <a:endParaRPr lang="en-US"/>
           </a:p>
@@ -1112,7 +1112,7 @@
           <a:p>
             <a:fld id="{BFB96269-534C-4ADE-A74E-68E56D3C846B}" type="datetimeFigureOut">
               <a:rPr lang="en-US" smtClean="0"/>
-              <a:t>4/24/2020</a:t>
+              <a:t>4/25/2020</a:t>
             </a:fld>
             <a:endParaRPr lang="en-US"/>
           </a:p>
@@ -1341,7 +1341,7 @@
           <a:p>
             <a:fld id="{BFB96269-534C-4ADE-A74E-68E56D3C846B}" type="datetimeFigureOut">
               <a:rPr lang="en-US" smtClean="0"/>
-              <a:t>4/24/2020</a:t>
+              <a:t>4/25/2020</a:t>
             </a:fld>
             <a:endParaRPr lang="en-US"/>
           </a:p>
@@ -1832,7 +1832,7 @@
           <a:p>
             <a:fld id="{BFB96269-534C-4ADE-A74E-68E56D3C846B}" type="datetimeFigureOut">
               <a:rPr lang="en-US" smtClean="0"/>
-              <a:t>4/24/2020</a:t>
+              <a:t>4/25/2020</a:t>
             </a:fld>
             <a:endParaRPr lang="en-US"/>
           </a:p>
@@ -2142,7 +2142,7 @@
           <a:p>
             <a:fld id="{BFB96269-534C-4ADE-A74E-68E56D3C846B}" type="datetimeFigureOut">
               <a:rPr lang="en-US" smtClean="0"/>
-              <a:t>4/24/2020</a:t>
+              <a:t>4/25/2020</a:t>
             </a:fld>
             <a:endParaRPr lang="en-US"/>
           </a:p>
@@ -2533,7 +2533,7 @@
           <a:p>
             <a:fld id="{BFB96269-534C-4ADE-A74E-68E56D3C846B}" type="datetimeFigureOut">
               <a:rPr lang="en-US" smtClean="0"/>
-              <a:t>4/24/2020</a:t>
+              <a:t>4/25/2020</a:t>
             </a:fld>
             <a:endParaRPr lang="en-US"/>
           </a:p>
@@ -2651,7 +2651,7 @@
           <a:p>
             <a:fld id="{BFB96269-534C-4ADE-A74E-68E56D3C846B}" type="datetimeFigureOut">
               <a:rPr lang="en-US" smtClean="0"/>
-              <a:t>4/24/2020</a:t>
+              <a:t>4/25/2020</a:t>
             </a:fld>
             <a:endParaRPr lang="en-US"/>
           </a:p>
@@ -2746,7 +2746,7 @@
           <a:p>
             <a:fld id="{BFB96269-534C-4ADE-A74E-68E56D3C846B}" type="datetimeFigureOut">
               <a:rPr lang="en-US" smtClean="0"/>
-              <a:t>4/24/2020</a:t>
+              <a:t>4/25/2020</a:t>
             </a:fld>
             <a:endParaRPr lang="en-US"/>
           </a:p>
@@ -3051,7 +3051,7 @@
           <a:p>
             <a:fld id="{BFB96269-534C-4ADE-A74E-68E56D3C846B}" type="datetimeFigureOut">
               <a:rPr lang="en-US" smtClean="0"/>
-              <a:t>4/24/2020</a:t>
+              <a:t>4/25/2020</a:t>
             </a:fld>
             <a:endParaRPr lang="en-US"/>
           </a:p>
@@ -3321,7 +3321,7 @@
           <a:p>
             <a:fld id="{BFB96269-534C-4ADE-A74E-68E56D3C846B}" type="datetimeFigureOut">
               <a:rPr lang="en-US" smtClean="0"/>
-              <a:t>4/24/2020</a:t>
+              <a:t>4/25/2020</a:t>
             </a:fld>
             <a:endParaRPr lang="en-US"/>
           </a:p>
@@ -3739,7 +3739,7 @@
           <a:p>
             <a:fld id="{BFB96269-534C-4ADE-A74E-68E56D3C846B}" type="datetimeFigureOut">
               <a:rPr lang="en-US" smtClean="0"/>
-              <a:t>4/24/2020</a:t>
+              <a:t>4/25/2020</a:t>
             </a:fld>
             <a:endParaRPr lang="en-US"/>
           </a:p>
@@ -4298,7 +4298,7 @@
         <p:spPr>
           <a:xfrm>
             <a:off x="1107575" y="1679510"/>
-            <a:ext cx="5899715" cy="4368827"/>
+            <a:ext cx="6660631" cy="4650081"/>
           </a:xfrm>
         </p:spPr>
         <p:txBody>
@@ -4308,18 +4308,94 @@
           <a:lstStyle/>
           <a:p>
             <a:r>
-              <a:rPr lang="en-US" sz="2500" dirty="0"/>
-              <a:t>A simplified version of a classic casino blackjack game. The game is played through the terminal and is written in Python 3. The player and dealer is dealt 2 cards each, with one of the dealer’s being hidden. The player has the option to “hit” or “stay” after seeing the value of their cards. Classic rules apply: face cards are valued at 10, number cards are face value, and Aces can be 11 or 1 depending if paired with a face card. </a:t>
-            </a:r>
+              <a:rPr lang="en-US" sz="2200" dirty="0"/>
+              <a:t>A simplified version of a classic casino blackjack game. The game is played through the terminal and is written in Python 3. The player and dealer is dealt 2 cards each, with one of the dealer’s being hidden. The player has the option to “hit” or “stay” after seeing the value of their cards. Classic rules apply: face cards are valued at 10, number cards are face value, and Aces can be 11 or 1 depending if paired with a face card. Player starts with a bank of 1000 and can bet to gain more. If player bank reaches 0, game ends. At the end of each round, player can see what cards the dealer had.</a:t>
+            </a:r>
+          </a:p>
+        </p:txBody>
+      </p:sp>
+      <p:sp>
+        <p:nvSpPr>
+          <p:cNvPr id="5" name="TextBox 4">
+            <a:extLst>
+              <a:ext uri="{FF2B5EF4-FFF2-40B4-BE49-F238E27FC236}">
+                <a16:creationId xmlns:a16="http://schemas.microsoft.com/office/drawing/2014/main" id="{3203988C-68A3-47E8-B6D5-1BFEC50ECB1B}"/>
+              </a:ext>
+            </a:extLst>
+          </p:cNvPr>
+          <p:cNvSpPr txBox="1"/>
+          <p:nvPr/>
+        </p:nvSpPr>
+        <p:spPr>
+          <a:xfrm>
+            <a:off x="962608" y="959614"/>
+            <a:ext cx="2304661" cy="646331"/>
+          </a:xfrm>
+          <a:prstGeom prst="rect">
+            <a:avLst/>
+          </a:prstGeom>
+          <a:noFill/>
+        </p:spPr>
+        <p:txBody>
+          <a:bodyPr wrap="square" rtlCol="0">
+            <a:spAutoFit/>
+          </a:bodyPr>
+          <a:lstStyle/>
+          <a:p>
+            <a:r>
+              <a:rPr lang="en-US" i="1" dirty="0"/>
+              <a:t>By: Sally Luo</a:t>
+            </a:r>
+          </a:p>
+          <a:p>
+            <a:endParaRPr lang="en-US" i="1" dirty="0"/>
+          </a:p>
+        </p:txBody>
+      </p:sp>
+      <p:sp>
+        <p:nvSpPr>
+          <p:cNvPr id="6" name="TextBox 5">
+            <a:extLst>
+              <a:ext uri="{FF2B5EF4-FFF2-40B4-BE49-F238E27FC236}">
+                <a16:creationId xmlns:a16="http://schemas.microsoft.com/office/drawing/2014/main" id="{61AFC531-2641-4CA2-BBB4-E08A60FE9A61}"/>
+              </a:ext>
+            </a:extLst>
+          </p:cNvPr>
+          <p:cNvSpPr txBox="1"/>
+          <p:nvPr/>
+        </p:nvSpPr>
+        <p:spPr>
+          <a:xfrm>
+            <a:off x="1107575" y="6329591"/>
+            <a:ext cx="5670730" cy="323165"/>
+          </a:xfrm>
+          <a:prstGeom prst="rect">
+            <a:avLst/>
+          </a:prstGeom>
+          <a:noFill/>
+        </p:spPr>
+        <p:txBody>
+          <a:bodyPr wrap="square" rtlCol="0">
+            <a:spAutoFit/>
+          </a:bodyPr>
+          <a:lstStyle/>
+          <a:p>
+            <a:r>
+              <a:rPr lang="en-US" sz="1500" dirty="0">
+                <a:hlinkClick r:id="rId2"/>
+              </a:rPr>
+              <a:t>https://github.com/ksu-is/Text-Based-Blackjack-Game</a:t>
+            </a:r>
+            <a:endParaRPr lang="en-US" sz="1500" i="1" dirty="0"/>
           </a:p>
         </p:txBody>
       </p:sp>
       <p:pic>
         <p:nvPicPr>
-          <p:cNvPr id="1026" name="Picture 2">
+          <p:cNvPr id="4" name="Picture 2">
             <a:extLst>
               <a:ext uri="{FF2B5EF4-FFF2-40B4-BE49-F238E27FC236}">
-                <a16:creationId xmlns:a16="http://schemas.microsoft.com/office/drawing/2014/main" id="{A4F19C4D-0B15-48BA-813A-57A2F84B38B9}"/>
+                <a16:creationId xmlns:a16="http://schemas.microsoft.com/office/drawing/2014/main" id="{6600C56E-25B7-48C4-8B70-311D01FD50DA}"/>
               </a:ext>
             </a:extLst>
           </p:cNvPr>
@@ -4329,7 +4405,7 @@
           <p:nvPr/>
         </p:nvPicPr>
         <p:blipFill>
-          <a:blip r:embed="rId2">
+          <a:blip r:embed="rId3">
             <a:extLst>
               <a:ext uri="{28A0092B-C50C-407E-A947-70E740481C1C}">
                 <a14:useLocalDpi xmlns:a14="http://schemas.microsoft.com/office/drawing/2010/main" val="0"/>
@@ -4343,8 +4419,8 @@
         </p:blipFill>
         <p:spPr bwMode="auto">
           <a:xfrm>
-            <a:off x="8168816" y="1356185"/>
-            <a:ext cx="2206484" cy="5015476"/>
+            <a:off x="9552283" y="266646"/>
+            <a:ext cx="2516009" cy="6386110"/>
           </a:xfrm>
           <a:prstGeom prst="rect">
             <a:avLst/>
@@ -4361,82 +4437,6 @@
           </a:extLst>
         </p:spPr>
       </p:pic>
-      <p:sp>
-        <p:nvSpPr>
-          <p:cNvPr id="5" name="TextBox 4">
-            <a:extLst>
-              <a:ext uri="{FF2B5EF4-FFF2-40B4-BE49-F238E27FC236}">
-                <a16:creationId xmlns:a16="http://schemas.microsoft.com/office/drawing/2014/main" id="{3203988C-68A3-47E8-B6D5-1BFEC50ECB1B}"/>
-              </a:ext>
-            </a:extLst>
-          </p:cNvPr>
-          <p:cNvSpPr txBox="1"/>
-          <p:nvPr/>
-        </p:nvSpPr>
-        <p:spPr>
-          <a:xfrm>
-            <a:off x="962608" y="959614"/>
-            <a:ext cx="2304661" cy="646331"/>
-          </a:xfrm>
-          <a:prstGeom prst="rect">
-            <a:avLst/>
-          </a:prstGeom>
-          <a:noFill/>
-        </p:spPr>
-        <p:txBody>
-          <a:bodyPr wrap="square" rtlCol="0">
-            <a:spAutoFit/>
-          </a:bodyPr>
-          <a:lstStyle/>
-          <a:p>
-            <a:r>
-              <a:rPr lang="en-US" i="1" dirty="0"/>
-              <a:t>By: Sally Luo</a:t>
-            </a:r>
-          </a:p>
-          <a:p>
-            <a:endParaRPr lang="en-US" i="1" dirty="0"/>
-          </a:p>
-        </p:txBody>
-      </p:sp>
-      <p:sp>
-        <p:nvSpPr>
-          <p:cNvPr id="6" name="TextBox 5">
-            <a:extLst>
-              <a:ext uri="{FF2B5EF4-FFF2-40B4-BE49-F238E27FC236}">
-                <a16:creationId xmlns:a16="http://schemas.microsoft.com/office/drawing/2014/main" id="{61AFC531-2641-4CA2-BBB4-E08A60FE9A61}"/>
-              </a:ext>
-            </a:extLst>
-          </p:cNvPr>
-          <p:cNvSpPr txBox="1"/>
-          <p:nvPr/>
-        </p:nvSpPr>
-        <p:spPr>
-          <a:xfrm>
-            <a:off x="1107575" y="6329591"/>
-            <a:ext cx="5670730" cy="323165"/>
-          </a:xfrm>
-          <a:prstGeom prst="rect">
-            <a:avLst/>
-          </a:prstGeom>
-          <a:noFill/>
-        </p:spPr>
-        <p:txBody>
-          <a:bodyPr wrap="square" rtlCol="0">
-            <a:spAutoFit/>
-          </a:bodyPr>
-          <a:lstStyle/>
-          <a:p>
-            <a:r>
-              <a:rPr lang="en-US" sz="1500" dirty="0">
-                <a:hlinkClick r:id="rId3"/>
-              </a:rPr>
-              <a:t>https://github.com/ksu-is/Text-Based-Blackjack-Game</a:t>
-            </a:r>
-            <a:endParaRPr lang="en-US" sz="1500" i="1" dirty="0"/>
-          </a:p>
-        </p:txBody>
-      </p:sp>
     </p:spTree>
     <p:extLst>
       <p:ext uri="{BB962C8B-B14F-4D97-AF65-F5344CB8AC3E}">
